--- a/image/search/검색기능 프로토타입0524.pptx
+++ b/image/search/검색기능 프로토타입0524.pptx
@@ -3881,7 +3881,7 @@
         </p:nvGrpSpPr>
         <p:grpSpPr>
           <a:xfrm>
-            <a:off x="3149600" y="2719296"/>
+            <a:off x="3162168" y="2643248"/>
             <a:ext cx="6419274" cy="3941700"/>
             <a:chOff x="3260435" y="2802423"/>
             <a:chExt cx="6659419" cy="3941700"/>
@@ -4121,114 +4121,6 @@
             </a:prstGeom>
           </p:spPr>
         </p:pic>
-        <p:pic>
-          <p:nvPicPr>
-            <p:cNvPr id="32" name="그림 31" descr="개구리이(가) 표시된 사진&#10;&#10;자동 생성된 설명">
-              <a:extLst>
-                <a:ext uri="{FF2B5EF4-FFF2-40B4-BE49-F238E27FC236}">
-                  <a16:creationId xmlns:a16="http://schemas.microsoft.com/office/drawing/2014/main" id="{32118CFD-6E15-4D95-A0E1-9A8EB749EE20}"/>
-                </a:ext>
-              </a:extLst>
-            </p:cNvPr>
-            <p:cNvPicPr>
-              <a:picLocks noChangeAspect="1"/>
-            </p:cNvPicPr>
-            <p:nvPr/>
-          </p:nvPicPr>
-          <p:blipFill>
-            <a:blip r:embed="rId3" cstate="print">
-              <a:extLst>
-                <a:ext uri="{28A0092B-C50C-407E-A947-70E740481C1C}">
-                  <a14:useLocalDpi xmlns:a14="http://schemas.microsoft.com/office/drawing/2010/main" val="0"/>
-                </a:ext>
-              </a:extLst>
-            </a:blip>
-            <a:stretch>
-              <a:fillRect/>
-            </a:stretch>
-          </p:blipFill>
-          <p:spPr>
-            <a:xfrm>
-              <a:off x="3740432" y="3144452"/>
-              <a:ext cx="465532" cy="380641"/>
-            </a:xfrm>
-            <a:prstGeom prst="rect">
-              <a:avLst/>
-            </a:prstGeom>
-          </p:spPr>
-        </p:pic>
-        <p:pic>
-          <p:nvPicPr>
-            <p:cNvPr id="33" name="그림 32" descr="개구리이(가) 표시된 사진&#10;&#10;자동 생성된 설명">
-              <a:extLst>
-                <a:ext uri="{FF2B5EF4-FFF2-40B4-BE49-F238E27FC236}">
-                  <a16:creationId xmlns:a16="http://schemas.microsoft.com/office/drawing/2014/main" id="{568F97D5-A283-4644-8826-323E58658030}"/>
-                </a:ext>
-              </a:extLst>
-            </p:cNvPr>
-            <p:cNvPicPr>
-              <a:picLocks noChangeAspect="1"/>
-            </p:cNvPicPr>
-            <p:nvPr/>
-          </p:nvPicPr>
-          <p:blipFill>
-            <a:blip r:embed="rId3" cstate="print">
-              <a:extLst>
-                <a:ext uri="{28A0092B-C50C-407E-A947-70E740481C1C}">
-                  <a14:useLocalDpi xmlns:a14="http://schemas.microsoft.com/office/drawing/2010/main" val="0"/>
-                </a:ext>
-              </a:extLst>
-            </a:blip>
-            <a:stretch>
-              <a:fillRect/>
-            </a:stretch>
-          </p:blipFill>
-          <p:spPr>
-            <a:xfrm>
-              <a:off x="3740432" y="3398444"/>
-              <a:ext cx="465532" cy="380641"/>
-            </a:xfrm>
-            <a:prstGeom prst="rect">
-              <a:avLst/>
-            </a:prstGeom>
-          </p:spPr>
-        </p:pic>
-        <p:pic>
-          <p:nvPicPr>
-            <p:cNvPr id="34" name="그림 33" descr="개구리이(가) 표시된 사진&#10;&#10;자동 생성된 설명">
-              <a:extLst>
-                <a:ext uri="{FF2B5EF4-FFF2-40B4-BE49-F238E27FC236}">
-                  <a16:creationId xmlns:a16="http://schemas.microsoft.com/office/drawing/2014/main" id="{60BEE753-7756-40CC-9BF9-8BF8B0AB7551}"/>
-                </a:ext>
-              </a:extLst>
-            </p:cNvPr>
-            <p:cNvPicPr>
-              <a:picLocks noChangeAspect="1"/>
-            </p:cNvPicPr>
-            <p:nvPr/>
-          </p:nvPicPr>
-          <p:blipFill>
-            <a:blip r:embed="rId3" cstate="print">
-              <a:extLst>
-                <a:ext uri="{28A0092B-C50C-407E-A947-70E740481C1C}">
-                  <a14:useLocalDpi xmlns:a14="http://schemas.microsoft.com/office/drawing/2010/main" val="0"/>
-                </a:ext>
-              </a:extLst>
-            </a:blip>
-            <a:stretch>
-              <a:fillRect/>
-            </a:stretch>
-          </p:blipFill>
-          <p:spPr>
-            <a:xfrm>
-              <a:off x="3740432" y="3700018"/>
-              <a:ext cx="465532" cy="380641"/>
-            </a:xfrm>
-            <a:prstGeom prst="rect">
-              <a:avLst/>
-            </a:prstGeom>
-          </p:spPr>
-        </p:pic>
       </p:grpSp>
       <p:sp>
         <p:nvSpPr>
@@ -4883,6 +4775,114 @@
           </a:p>
         </p:txBody>
       </p:sp>
+      <p:pic>
+        <p:nvPicPr>
+          <p:cNvPr id="7" name="그림 6">
+            <a:extLst>
+              <a:ext uri="{FF2B5EF4-FFF2-40B4-BE49-F238E27FC236}">
+                <a16:creationId xmlns:a16="http://schemas.microsoft.com/office/drawing/2014/main" id="{F640B84B-5EF8-4BDD-BD97-D6E3117C1BB3}"/>
+              </a:ext>
+            </a:extLst>
+          </p:cNvPr>
+          <p:cNvPicPr>
+            <a:picLocks noChangeAspect="1"/>
+          </p:cNvPicPr>
+          <p:nvPr/>
+        </p:nvPicPr>
+        <p:blipFill>
+          <a:blip r:embed="rId12" cstate="print">
+            <a:extLst>
+              <a:ext uri="{28A0092B-C50C-407E-A947-70E740481C1C}">
+                <a14:useLocalDpi xmlns:a14="http://schemas.microsoft.com/office/drawing/2010/main" val="0"/>
+              </a:ext>
+            </a:extLst>
+          </a:blip>
+          <a:stretch>
+            <a:fillRect/>
+          </a:stretch>
+        </p:blipFill>
+        <p:spPr>
+          <a:xfrm>
+            <a:off x="3592629" y="3073629"/>
+            <a:ext cx="548497" cy="374835"/>
+          </a:xfrm>
+          <a:prstGeom prst="rect">
+            <a:avLst/>
+          </a:prstGeom>
+        </p:spPr>
+      </p:pic>
+      <p:pic>
+        <p:nvPicPr>
+          <p:cNvPr id="14" name="그림 13" descr="개구리이(가) 표시된 사진&#10;&#10;자동 생성된 설명">
+            <a:extLst>
+              <a:ext uri="{FF2B5EF4-FFF2-40B4-BE49-F238E27FC236}">
+                <a16:creationId xmlns:a16="http://schemas.microsoft.com/office/drawing/2014/main" id="{E4EEFB60-2668-46D2-8848-B552DFE12275}"/>
+              </a:ext>
+            </a:extLst>
+          </p:cNvPr>
+          <p:cNvPicPr>
+            <a:picLocks noChangeAspect="1"/>
+          </p:cNvPicPr>
+          <p:nvPr/>
+        </p:nvPicPr>
+        <p:blipFill>
+          <a:blip r:embed="rId13" cstate="print">
+            <a:extLst>
+              <a:ext uri="{28A0092B-C50C-407E-A947-70E740481C1C}">
+                <a14:useLocalDpi xmlns:a14="http://schemas.microsoft.com/office/drawing/2010/main" val="0"/>
+              </a:ext>
+            </a:extLst>
+          </a:blip>
+          <a:stretch>
+            <a:fillRect/>
+          </a:stretch>
+        </p:blipFill>
+        <p:spPr>
+          <a:xfrm>
+            <a:off x="3567658" y="3777182"/>
+            <a:ext cx="541278" cy="380641"/>
+          </a:xfrm>
+          <a:prstGeom prst="rect">
+            <a:avLst/>
+          </a:prstGeom>
+        </p:spPr>
+      </p:pic>
+      <p:pic>
+        <p:nvPicPr>
+          <p:cNvPr id="5" name="그림 4" descr="개구리, 다채로운이(가) 표시된 사진&#10;&#10;자동 생성된 설명">
+            <a:extLst>
+              <a:ext uri="{FF2B5EF4-FFF2-40B4-BE49-F238E27FC236}">
+                <a16:creationId xmlns:a16="http://schemas.microsoft.com/office/drawing/2014/main" id="{3316BB9A-770E-42A0-9A3E-1F206BCBFA5A}"/>
+              </a:ext>
+            </a:extLst>
+          </p:cNvPr>
+          <p:cNvPicPr>
+            <a:picLocks noChangeAspect="1"/>
+          </p:cNvPicPr>
+          <p:nvPr/>
+        </p:nvPicPr>
+        <p:blipFill>
+          <a:blip r:embed="rId14" cstate="print">
+            <a:extLst>
+              <a:ext uri="{28A0092B-C50C-407E-A947-70E740481C1C}">
+                <a14:useLocalDpi xmlns:a14="http://schemas.microsoft.com/office/drawing/2010/main" val="0"/>
+              </a:ext>
+            </a:extLst>
+          </a:blip>
+          <a:stretch>
+            <a:fillRect/>
+          </a:stretch>
+        </p:blipFill>
+        <p:spPr>
+          <a:xfrm>
+            <a:off x="3612288" y="3407202"/>
+            <a:ext cx="333862" cy="352856"/>
+          </a:xfrm>
+          <a:prstGeom prst="rect">
+            <a:avLst/>
+          </a:prstGeom>
+        </p:spPr>
+      </p:pic>
     </p:spTree>
     <p:extLst>
       <p:ext uri="{BB962C8B-B14F-4D97-AF65-F5344CB8AC3E}">
@@ -5461,12 +5461,141 @@
           </a:p>
         </p:txBody>
       </p:sp>
+      <p:sp>
+        <p:nvSpPr>
+          <p:cNvPr id="48" name="TextBox 47">
+            <a:extLst>
+              <a:ext uri="{FF2B5EF4-FFF2-40B4-BE49-F238E27FC236}">
+                <a16:creationId xmlns:a16="http://schemas.microsoft.com/office/drawing/2014/main" id="{60FC3C49-44FD-4472-B95A-4710B6A528D0}"/>
+              </a:ext>
+            </a:extLst>
+          </p:cNvPr>
+          <p:cNvSpPr txBox="1"/>
+          <p:nvPr/>
+        </p:nvSpPr>
+        <p:spPr>
+          <a:xfrm>
+            <a:off x="1323141" y="6425670"/>
+            <a:ext cx="3839386" cy="369332"/>
+          </a:xfrm>
+          <a:prstGeom prst="rect">
+            <a:avLst/>
+          </a:prstGeom>
+          <a:noFill/>
+        </p:spPr>
+        <p:txBody>
+          <a:bodyPr wrap="square" rtlCol="0">
+            <a:spAutoFit/>
+          </a:bodyPr>
+          <a:lstStyle/>
+          <a:p>
+            <a:r>
+              <a:rPr lang="en-US" altLang="ko-KR" dirty="0"/>
+              <a:t>2. </a:t>
+            </a:r>
+            <a:r>
+              <a:rPr lang="ko-KR" altLang="en-US" dirty="0"/>
+              <a:t>황소개구리</a:t>
+            </a:r>
+            <a:r>
+              <a:rPr lang="en-US" altLang="ko-KR" dirty="0"/>
+              <a:t> </a:t>
+            </a:r>
+          </a:p>
+        </p:txBody>
+      </p:sp>
+      <p:sp>
+        <p:nvSpPr>
+          <p:cNvPr id="49" name="TextBox 48">
+            <a:extLst>
+              <a:ext uri="{FF2B5EF4-FFF2-40B4-BE49-F238E27FC236}">
+                <a16:creationId xmlns:a16="http://schemas.microsoft.com/office/drawing/2014/main" id="{1D2C396B-901B-4BF8-9153-3E12211492E6}"/>
+              </a:ext>
+            </a:extLst>
+          </p:cNvPr>
+          <p:cNvSpPr txBox="1"/>
+          <p:nvPr/>
+        </p:nvSpPr>
+        <p:spPr>
+          <a:xfrm>
+            <a:off x="5162527" y="6425670"/>
+            <a:ext cx="3839386" cy="369332"/>
+          </a:xfrm>
+          <a:prstGeom prst="rect">
+            <a:avLst/>
+          </a:prstGeom>
+          <a:noFill/>
+        </p:spPr>
+        <p:txBody>
+          <a:bodyPr wrap="square" rtlCol="0">
+            <a:spAutoFit/>
+          </a:bodyPr>
+          <a:lstStyle/>
+          <a:p>
+            <a:r>
+              <a:rPr lang="en-US" altLang="ko-KR" dirty="0"/>
+              <a:t>3. </a:t>
+            </a:r>
+            <a:r>
+              <a:rPr lang="ko-KR" altLang="en-US" dirty="0"/>
+              <a:t>무당개구리</a:t>
+            </a:r>
+            <a:r>
+              <a:rPr lang="en-US" altLang="ko-KR" dirty="0"/>
+              <a:t> </a:t>
+            </a:r>
+          </a:p>
+        </p:txBody>
+      </p:sp>
+      <p:sp>
+        <p:nvSpPr>
+          <p:cNvPr id="50" name="TextBox 49">
+            <a:extLst>
+              <a:ext uri="{FF2B5EF4-FFF2-40B4-BE49-F238E27FC236}">
+                <a16:creationId xmlns:a16="http://schemas.microsoft.com/office/drawing/2014/main" id="{5557C7CF-598A-4A2E-B84C-A4B723F6F4FD}"/>
+              </a:ext>
+            </a:extLst>
+          </p:cNvPr>
+          <p:cNvSpPr txBox="1"/>
+          <p:nvPr/>
+        </p:nvSpPr>
+        <p:spPr>
+          <a:xfrm>
+            <a:off x="8754448" y="6443818"/>
+            <a:ext cx="3839386" cy="369332"/>
+          </a:xfrm>
+          <a:prstGeom prst="rect">
+            <a:avLst/>
+          </a:prstGeom>
+          <a:noFill/>
+        </p:spPr>
+        <p:txBody>
+          <a:bodyPr wrap="square" rtlCol="0">
+            <a:spAutoFit/>
+          </a:bodyPr>
+          <a:lstStyle/>
+          <a:p>
+            <a:r>
+              <a:rPr lang="en-US" altLang="ko-KR" dirty="0"/>
+              <a:t>4.</a:t>
+            </a:r>
+            <a:r>
+              <a:rPr lang="ko-KR" altLang="en-US" dirty="0"/>
+              <a:t>두꺼비</a:t>
+            </a:r>
+            <a:r>
+              <a:rPr lang="en-US" altLang="ko-KR" dirty="0"/>
+              <a:t> </a:t>
+            </a:r>
+          </a:p>
+        </p:txBody>
+      </p:sp>
       <p:pic>
         <p:nvPicPr>
-          <p:cNvPr id="45" name="그림 44" descr="개구리이(가) 표시된 사진&#10;&#10;자동 생성된 설명">
+          <p:cNvPr id="17" name="그림 16">
             <a:extLst>
               <a:ext uri="{FF2B5EF4-FFF2-40B4-BE49-F238E27FC236}">
-                <a16:creationId xmlns:a16="http://schemas.microsoft.com/office/drawing/2014/main" id="{FF089AB3-20CA-48DB-A07D-054FB094BE5F}"/>
+                <a16:creationId xmlns:a16="http://schemas.microsoft.com/office/drawing/2014/main" id="{9E953EB7-6FF9-43B0-8040-E637BF1FBE83}"/>
               </a:ext>
             </a:extLst>
           </p:cNvPr>
@@ -5489,8 +5618,8 @@
         </p:blipFill>
         <p:spPr>
           <a:xfrm>
-            <a:off x="9001913" y="5865419"/>
-            <a:ext cx="553115" cy="452253"/>
+            <a:off x="1749272" y="5799686"/>
+            <a:ext cx="943455" cy="644744"/>
           </a:xfrm>
           <a:prstGeom prst="rect">
             <a:avLst/>
@@ -5499,10 +5628,10 @@
       </p:pic>
       <p:pic>
         <p:nvPicPr>
-          <p:cNvPr id="46" name="그림 45" descr="개구리이(가) 표시된 사진&#10;&#10;자동 생성된 설명">
+          <p:cNvPr id="18" name="그림 17" descr="개구리이(가) 표시된 사진&#10;&#10;자동 생성된 설명">
             <a:extLst>
               <a:ext uri="{FF2B5EF4-FFF2-40B4-BE49-F238E27FC236}">
-                <a16:creationId xmlns:a16="http://schemas.microsoft.com/office/drawing/2014/main" id="{E88EF011-0B26-4E25-BA21-472574D9DCE2}"/>
+                <a16:creationId xmlns:a16="http://schemas.microsoft.com/office/drawing/2014/main" id="{6AD734C1-2567-43D1-AADA-9A88BD566E23}"/>
               </a:ext>
             </a:extLst>
           </p:cNvPr>
@@ -5512,7 +5641,7 @@
           <p:nvPr/>
         </p:nvPicPr>
         <p:blipFill>
-          <a:blip r:embed="rId3" cstate="print">
+          <a:blip r:embed="rId4" cstate="print">
             <a:extLst>
               <a:ext uri="{28A0092B-C50C-407E-A947-70E740481C1C}">
                 <a14:useLocalDpi xmlns:a14="http://schemas.microsoft.com/office/drawing/2010/main" val="0"/>
@@ -5525,8 +5654,8 @@
         </p:blipFill>
         <p:spPr>
           <a:xfrm>
-            <a:off x="1631562" y="5865420"/>
-            <a:ext cx="553115" cy="452253"/>
+            <a:off x="8785237" y="5740074"/>
+            <a:ext cx="986467" cy="693710"/>
           </a:xfrm>
           <a:prstGeom prst="rect">
             <a:avLst/>
@@ -5535,10 +5664,10 @@
       </p:pic>
       <p:pic>
         <p:nvPicPr>
-          <p:cNvPr id="47" name="그림 46" descr="개구리이(가) 표시된 사진&#10;&#10;자동 생성된 설명">
+          <p:cNvPr id="20" name="그림 19" descr="개구리, 다채로운이(가) 표시된 사진&#10;&#10;자동 생성된 설명">
             <a:extLst>
               <a:ext uri="{FF2B5EF4-FFF2-40B4-BE49-F238E27FC236}">
-                <a16:creationId xmlns:a16="http://schemas.microsoft.com/office/drawing/2014/main" id="{26BA4717-F9DE-4A7B-99B9-1503C1FADBFD}"/>
+                <a16:creationId xmlns:a16="http://schemas.microsoft.com/office/drawing/2014/main" id="{952C9061-0624-42FB-8DE8-1ABD5184A29B}"/>
               </a:ext>
             </a:extLst>
           </p:cNvPr>
@@ -5548,7 +5677,7 @@
           <p:nvPr/>
         </p:nvPicPr>
         <p:blipFill>
-          <a:blip r:embed="rId3" cstate="print">
+          <a:blip r:embed="rId5" cstate="print">
             <a:extLst>
               <a:ext uri="{28A0092B-C50C-407E-A947-70E740481C1C}">
                 <a14:useLocalDpi xmlns:a14="http://schemas.microsoft.com/office/drawing/2010/main" val="0"/>
@@ -5561,143 +5690,14 @@
         </p:blipFill>
         <p:spPr>
           <a:xfrm>
-            <a:off x="5665126" y="5851728"/>
-            <a:ext cx="553115" cy="452253"/>
+            <a:off x="5688587" y="5763157"/>
+            <a:ext cx="626850" cy="662513"/>
           </a:xfrm>
           <a:prstGeom prst="rect">
             <a:avLst/>
           </a:prstGeom>
         </p:spPr>
       </p:pic>
-      <p:sp>
-        <p:nvSpPr>
-          <p:cNvPr id="48" name="TextBox 47">
-            <a:extLst>
-              <a:ext uri="{FF2B5EF4-FFF2-40B4-BE49-F238E27FC236}">
-                <a16:creationId xmlns:a16="http://schemas.microsoft.com/office/drawing/2014/main" id="{60FC3C49-44FD-4472-B95A-4710B6A528D0}"/>
-              </a:ext>
-            </a:extLst>
-          </p:cNvPr>
-          <p:cNvSpPr txBox="1"/>
-          <p:nvPr/>
-        </p:nvSpPr>
-        <p:spPr>
-          <a:xfrm>
-            <a:off x="1323141" y="6425670"/>
-            <a:ext cx="3839386" cy="369332"/>
-          </a:xfrm>
-          <a:prstGeom prst="rect">
-            <a:avLst/>
-          </a:prstGeom>
-          <a:noFill/>
-        </p:spPr>
-        <p:txBody>
-          <a:bodyPr wrap="square" rtlCol="0">
-            <a:spAutoFit/>
-          </a:bodyPr>
-          <a:lstStyle/>
-          <a:p>
-            <a:r>
-              <a:rPr lang="en-US" altLang="ko-KR" dirty="0"/>
-              <a:t>2. </a:t>
-            </a:r>
-            <a:r>
-              <a:rPr lang="ko-KR" altLang="en-US" dirty="0"/>
-              <a:t>황소개구리</a:t>
-            </a:r>
-            <a:r>
-              <a:rPr lang="en-US" altLang="ko-KR" dirty="0"/>
-              <a:t> </a:t>
-            </a:r>
-          </a:p>
-        </p:txBody>
-      </p:sp>
-      <p:sp>
-        <p:nvSpPr>
-          <p:cNvPr id="49" name="TextBox 48">
-            <a:extLst>
-              <a:ext uri="{FF2B5EF4-FFF2-40B4-BE49-F238E27FC236}">
-                <a16:creationId xmlns:a16="http://schemas.microsoft.com/office/drawing/2014/main" id="{1D2C396B-901B-4BF8-9153-3E12211492E6}"/>
-              </a:ext>
-            </a:extLst>
-          </p:cNvPr>
-          <p:cNvSpPr txBox="1"/>
-          <p:nvPr/>
-        </p:nvSpPr>
-        <p:spPr>
-          <a:xfrm>
-            <a:off x="5162527" y="6425670"/>
-            <a:ext cx="3839386" cy="369332"/>
-          </a:xfrm>
-          <a:prstGeom prst="rect">
-            <a:avLst/>
-          </a:prstGeom>
-          <a:noFill/>
-        </p:spPr>
-        <p:txBody>
-          <a:bodyPr wrap="square" rtlCol="0">
-            <a:spAutoFit/>
-          </a:bodyPr>
-          <a:lstStyle/>
-          <a:p>
-            <a:r>
-              <a:rPr lang="en-US" altLang="ko-KR" dirty="0"/>
-              <a:t>3. </a:t>
-            </a:r>
-            <a:r>
-              <a:rPr lang="ko-KR" altLang="en-US" dirty="0"/>
-              <a:t>무당개구리</a:t>
-            </a:r>
-            <a:r>
-              <a:rPr lang="en-US" altLang="ko-KR" dirty="0"/>
-              <a:t> </a:t>
-            </a:r>
-          </a:p>
-        </p:txBody>
-      </p:sp>
-      <p:sp>
-        <p:nvSpPr>
-          <p:cNvPr id="50" name="TextBox 49">
-            <a:extLst>
-              <a:ext uri="{FF2B5EF4-FFF2-40B4-BE49-F238E27FC236}">
-                <a16:creationId xmlns:a16="http://schemas.microsoft.com/office/drawing/2014/main" id="{5557C7CF-598A-4A2E-B84C-A4B723F6F4FD}"/>
-              </a:ext>
-            </a:extLst>
-          </p:cNvPr>
-          <p:cNvSpPr txBox="1"/>
-          <p:nvPr/>
-        </p:nvSpPr>
-        <p:spPr>
-          <a:xfrm>
-            <a:off x="8754448" y="6443818"/>
-            <a:ext cx="3839386" cy="369332"/>
-          </a:xfrm>
-          <a:prstGeom prst="rect">
-            <a:avLst/>
-          </a:prstGeom>
-          <a:noFill/>
-        </p:spPr>
-        <p:txBody>
-          <a:bodyPr wrap="square" rtlCol="0">
-            <a:spAutoFit/>
-          </a:bodyPr>
-          <a:lstStyle/>
-          <a:p>
-            <a:r>
-              <a:rPr lang="en-US" altLang="ko-KR" dirty="0"/>
-              <a:t>4.</a:t>
-            </a:r>
-            <a:r>
-              <a:rPr lang="ko-KR" altLang="en-US" dirty="0"/>
-              <a:t>두꺼비</a:t>
-            </a:r>
-            <a:r>
-              <a:rPr lang="en-US" altLang="ko-KR" dirty="0"/>
-              <a:t> </a:t>
-            </a:r>
-          </a:p>
-        </p:txBody>
-      </p:sp>
     </p:spTree>
     <p:extLst>
       <p:ext uri="{BB962C8B-B14F-4D97-AF65-F5344CB8AC3E}">
